--- a/backend/project/PPTX/Dog_presentation.pptx
+++ b/backend/project/PPTX/Dog_presentation.pptx
@@ -3174,7 +3174,7 @@
           <a:lstStyle/>
           <a:p>
             <a:r>
-              <a:t>Slide 9: Dog Breeds Around the World</a:t>
+              <a:t>Benefits of Owning a Dog</a:t>
             </a:r>
           </a:p>
         </p:txBody>
@@ -3196,7 +3196,7 @@
           <a:p>
             <a:r>
               <a:rPr b="1" sz="1800"/>
-              <a:t>There are hundreds of different dog breeds around the world, each with unique characteristics and traits. These breeds are often categorized into groups based on their original purpose or function.</a:t>
+              <a:t>Owning a dog can have numerous benefits, including companionship, emotional support, improved physical health, and social interactions. Dogs are known to reduce stress and loneliness in their owners.</a:t>
             </a:r>
           </a:p>
         </p:txBody>
@@ -3228,7 +3228,7 @@
               <a:defRPr sz="1200"/>
             </a:pPr>
             <a:r>
-              <a:t>- The Kennel Club, American Kennel Club (AKC)</a:t>
+              <a:t>- Source: www.mayoclinic.org</a:t>
             </a:r>
           </a:p>
         </p:txBody>
@@ -3267,7 +3267,7 @@
           <a:lstStyle/>
           <a:p>
             <a:r>
-              <a:t>Slide 10: Conclusion</a:t>
+              <a:t>Conclusion</a:t>
             </a:r>
           </a:p>
         </p:txBody>
@@ -3289,7 +3289,7 @@
           <a:p>
             <a:r>
               <a:rPr b="1" sz="1800"/>
-              <a:t>Dogs are truly remarkable animals that have captured the hearts of millions of people worldwide. Their loyalty, companionship, and versatility make them beloved pets and valuable members of society.</a:t>
+              <a:t>Dogs are more than just pets; they are loyal companions, family members, and working partners. Their unconditional love and unwavering loyalty make them truly special animals that enrich our lives in countless ways.</a:t>
             </a:r>
           </a:p>
         </p:txBody>
@@ -3321,7 +3321,7 @@
               <a:defRPr sz="1200"/>
             </a:pPr>
             <a:r>
-              <a:t>- World Health Organization (WHO), The Humane Society</a:t>
+              <a:t>- Source: www.akc.org</a:t>
             </a:r>
           </a:p>
         </p:txBody>
@@ -3360,7 +3360,7 @@
           <a:lstStyle/>
           <a:p>
             <a:r>
-              <a:t>Slide 1: Introduction to Dogs</a:t>
+              <a:t>Introduction to Dogs</a:t>
             </a:r>
           </a:p>
         </p:txBody>
@@ -3382,7 +3382,7 @@
           <a:p>
             <a:r>
               <a:rPr b="1" sz="1800"/>
-              <a:t>Dogs are one of the most popular pets worldwide, known for their loyalty and companionship. They come in a variety of breeds, sizes, and temperaments, making them a diverse and fascinating species.</a:t>
+              <a:t>Dogs are domesticated mammals known for their loyalty and companionship to humans. They come in various breeds and sizes, each having unique characteristics and behaviors.</a:t>
             </a:r>
           </a:p>
         </p:txBody>
@@ -3414,7 +3414,7 @@
               <a:defRPr sz="1200"/>
             </a:pPr>
             <a:r>
-              <a:t>- American Kennel Club (AKC), World Health Organization (WHO)</a:t>
+              <a:t>- Source: www.akc.org</a:t>
             </a:r>
           </a:p>
         </p:txBody>
@@ -3453,7 +3453,7 @@
           <a:lstStyle/>
           <a:p>
             <a:r>
-              <a:t>Slide 2: History of Domestication</a:t>
+              <a:t>History of Dogs</a:t>
             </a:r>
           </a:p>
         </p:txBody>
@@ -3475,7 +3475,7 @@
           <a:p>
             <a:r>
               <a:rPr b="1" sz="1800"/>
-              <a:t>Dogs were one of the first animals to be domesticated by humans, dating back thousands of years. They have played many roles in human society, including as working animals, companions, and protectors.</a:t>
+              <a:t>Dogs have been companions to humans for thousands of years, with evidence of their domestication dating back to ancient times. They have served various roles, including hunting, herding, and protection.</a:t>
             </a:r>
           </a:p>
         </p:txBody>
@@ -3507,7 +3507,7 @@
               <a:defRPr sz="1200"/>
             </a:pPr>
             <a:r>
-              <a:t>- National Geographic, Smithsonian Institution</a:t>
+              <a:t>- Source: www.history.com</a:t>
             </a:r>
           </a:p>
         </p:txBody>
@@ -3546,7 +3546,7 @@
           <a:lstStyle/>
           <a:p>
             <a:r>
-              <a:t>Slide 3: Physical Characteristics</a:t>
+              <a:t>Types of Dog Breeds</a:t>
             </a:r>
           </a:p>
         </p:txBody>
@@ -3568,7 +3568,7 @@
           <a:p>
             <a:r>
               <a:rPr b="1" sz="1800"/>
-              <a:t>Dogs have a wide range of physical characteristics, including fur type, coat color, size, and shape. These traits are often specific to different breeds and serve various purposes.</a:t>
+              <a:t>There are over 340 different dog breeds recognized by various kennel clubs around the world. Each breed has distinct physical and behavioral traits that make them suitable for different purposes.</a:t>
             </a:r>
           </a:p>
         </p:txBody>
@@ -3600,7 +3600,7 @@
               <a:defRPr sz="1200"/>
             </a:pPr>
             <a:r>
-              <a:t>- The Humane Society, American Veterinary Medical Association (AVMA)</a:t>
+              <a:t>- Source: www.akc.org</a:t>
             </a:r>
           </a:p>
         </p:txBody>
@@ -3639,7 +3639,7 @@
           <a:lstStyle/>
           <a:p>
             <a:r>
-              <a:t>Slide 4: Behavioral Traits</a:t>
+              <a:t>Dog Behavior and Communication</a:t>
             </a:r>
           </a:p>
         </p:txBody>
@@ -3661,7 +3661,7 @@
           <a:p>
             <a:r>
               <a:rPr b="1" sz="1800"/>
-              <a:t>Dogs exhibit a wide range of behavioral traits, such as loyalty, playfulness, aggression, and intelligence. These traits can vary widely among individual dogs and breeds.</a:t>
+              <a:t>Dogs communicate through body language, vocalizations, and behaviors. Understanding their cues and signals can help in building a strong bond and relationship with them.</a:t>
             </a:r>
           </a:p>
         </p:txBody>
@@ -3693,7 +3693,7 @@
               <a:defRPr sz="1200"/>
             </a:pPr>
             <a:r>
-              <a:t>- American Society for the Prevention of Cruelty to Animals (ASPCA), Canine Journal</a:t>
+              <a:t>- Source: www.thesprucepets.com</a:t>
             </a:r>
           </a:p>
         </p:txBody>
@@ -3732,7 +3732,7 @@
           <a:lstStyle/>
           <a:p>
             <a:r>
-              <a:t>Slide 5: Health and Well-being</a:t>
+              <a:t>Dog Care and Nutrition</a:t>
             </a:r>
           </a:p>
         </p:txBody>
@@ -3754,7 +3754,7 @@
           <a:p>
             <a:r>
               <a:rPr b="1" sz="1800"/>
-              <a:t>Maintaining the health and well-being of dogs is essential for their happiness and longevity. This includes regular vet check-ups, proper nutrition, exercise, and grooming.</a:t>
+              <a:t>Proper care and nutrition are essential for the health and well-being of dogs. It is important to provide them with balanced diets, regular exercise, grooming, and veterinary check-ups.</a:t>
             </a:r>
           </a:p>
         </p:txBody>
@@ -3786,7 +3786,7 @@
               <a:defRPr sz="1200"/>
             </a:pPr>
             <a:r>
-              <a:t>- American Veterinary Medical Association (AVMA), Centers for Disease Control and Prevention (CDC)</a:t>
+              <a:t>- Source: www.aspca.org</a:t>
             </a:r>
           </a:p>
         </p:txBody>
@@ -3825,7 +3825,7 @@
           <a:lstStyle/>
           <a:p>
             <a:r>
-              <a:t>Slide 6: Training and Obedience</a:t>
+              <a:t>Training and Socialization</a:t>
             </a:r>
           </a:p>
         </p:txBody>
@@ -3847,7 +3847,7 @@
           <a:p>
             <a:r>
               <a:rPr b="1" sz="1800"/>
-              <a:t>Training is crucial for establishing a strong bond between dogs and their owners. Obedience training helps dogs learn important commands and behaviors for a harmonious relationship.</a:t>
+              <a:t>Training and socialization play a key role in shaping a dog's behavior and temperament. Positive reinforcement techniques are effective in teaching dogs obedience and good manners.</a:t>
             </a:r>
           </a:p>
         </p:txBody>
@@ -3879,7 +3879,7 @@
               <a:defRPr sz="1200"/>
             </a:pPr>
             <a:r>
-              <a:t>- The Kennel Club, Association of Professional Dog Trainers (APDT)</a:t>
+              <a:t>- Source: www.akc.org</a:t>
             </a:r>
           </a:p>
         </p:txBody>
@@ -3918,7 +3918,7 @@
           <a:lstStyle/>
           <a:p>
             <a:r>
-              <a:t>Slide 7: Famous Dogs in History</a:t>
+              <a:t>Common Health Issues in Dogs</a:t>
             </a:r>
           </a:p>
         </p:txBody>
@@ -3940,7 +3940,7 @@
           <a:p>
             <a:r>
               <a:rPr b="1" sz="1800"/>
-              <a:t>Throughout history, there have been many famous dogs that have made an impact on society, such as Rin Tin Tin, Lassie, and Balto. These dogs are remembered for their bravery, loyalty, and intelligence.</a:t>
+              <a:t>Dogs are susceptible to various health problems, including infections, allergies, and genetic disorders. Regular health check-ups and vaccinations are important for their overall well-being.</a:t>
             </a:r>
           </a:p>
         </p:txBody>
@@ -3972,7 +3972,7 @@
               <a:defRPr sz="1200"/>
             </a:pPr>
             <a:r>
-              <a:t>- History Channel, National Geographic Kids</a:t>
+              <a:t>- Source: www.avma.org</a:t>
             </a:r>
           </a:p>
         </p:txBody>
@@ -4011,7 +4011,7 @@
           <a:lstStyle/>
           <a:p>
             <a:r>
-              <a:t>Slide 8: Dogs in Popular Culture</a:t>
+              <a:t>Famous Dogs in History</a:t>
             </a:r>
           </a:p>
         </p:txBody>
@@ -4033,7 +4033,7 @@
           <a:p>
             <a:r>
               <a:rPr b="1" sz="1800"/>
-              <a:t>Dogs have a significant presence in popular culture, appearing in movies, TV shows, books, and art. Famous fictional dogs include Snoopy, Scooby-Doo, and Clifford the Big Red Dog.</a:t>
+              <a:t>Throughout history, there have been many famous dogs that have made significant contributions or achieved fame for their loyalty, bravery, or special talents.</a:t>
             </a:r>
           </a:p>
         </p:txBody>
@@ -4065,7 +4065,7 @@
               <a:defRPr sz="1200"/>
             </a:pPr>
             <a:r>
-              <a:t>- IMDb, The New York Times</a:t>
+              <a:t>- Source: www.animalplanet.com</a:t>
             </a:r>
           </a:p>
         </p:txBody>
